--- a/Final Project/Network Diagram.pptx
+++ b/Final Project/Network Diagram.pptx
@@ -104,6 +104,11 @@
       </a:defRPr>
     </a:lvl9pPr>
   </p:defaultTextStyle>
+  <p:extLst>
+    <p:ext uri="{EFAFB233-063F-42B5-8137-9DF3F51BA10A}">
+      <p15:sldGuideLst xmlns:p15="http://schemas.microsoft.com/office/powerpoint/2012/main"/>
+    </p:ext>
+  </p:extLst>
 </p:presentation>
 </file>
 
@@ -3746,10 +3751,10 @@
       </p:graphicFrame>
       <p:pic>
         <p:nvPicPr>
-          <p:cNvPr id="8" name="Picture 7">
-            <a:extLst>
-              <a:ext uri="{FF2B5EF4-FFF2-40B4-BE49-F238E27FC236}">
-                <a16:creationId xmlns:a16="http://schemas.microsoft.com/office/drawing/2014/main" id="{36E121F8-20DD-4586-A75A-756EBD21BAC2}"/>
+          <p:cNvPr id="3" name="Picture 2">
+            <a:extLst>
+              <a:ext uri="{FF2B5EF4-FFF2-40B4-BE49-F238E27FC236}">
+                <a16:creationId xmlns:a16="http://schemas.microsoft.com/office/drawing/2014/main" id="{687F8DFB-DA90-4E8A-9A1B-8AF4AC5BF95C}"/>
               </a:ext>
             </a:extLst>
           </p:cNvPr>
